--- a/Lesson1/Python1.pptx
+++ b/Lesson1/Python1.pptx
@@ -209,7 +209,7 @@
           <a:p>
             <a:fld id="{8A5EC77C-AAFF-B543-BD6B-A96F6817F91A}" type="datetimeFigureOut">
               <a:rPr lang="en-US" smtClean="0"/>
-              <a:t>4/9/20</a:t>
+              <a:t>4/13/20</a:t>
             </a:fld>
             <a:endParaRPr lang="en-US"/>
           </a:p>
@@ -1705,7 +1705,7 @@
           <a:p>
             <a:fld id="{02AC24A9-CCB6-4F8D-B8DB-C2F3692CFA5A}" type="datetimeFigureOut">
               <a:rPr lang="en-US" smtClean="0"/>
-              <a:t>4/9/20</a:t>
+              <a:t>4/13/20</a:t>
             </a:fld>
             <a:endParaRPr lang="en-US" dirty="0"/>
           </a:p>
@@ -2035,7 +2035,7 @@
           <a:p>
             <a:fld id="{02AC24A9-CCB6-4F8D-B8DB-C2F3692CFA5A}" type="datetimeFigureOut">
               <a:rPr lang="en-US" smtClean="0"/>
-              <a:t>4/9/20</a:t>
+              <a:t>4/13/20</a:t>
             </a:fld>
             <a:endParaRPr lang="en-US"/>
           </a:p>
@@ -2215,7 +2215,7 @@
           <a:p>
             <a:fld id="{02AC24A9-CCB6-4F8D-B8DB-C2F3692CFA5A}" type="datetimeFigureOut">
               <a:rPr lang="en-US" smtClean="0"/>
-              <a:t>4/9/20</a:t>
+              <a:t>4/13/20</a:t>
             </a:fld>
             <a:endParaRPr lang="en-US"/>
           </a:p>
@@ -2385,7 +2385,7 @@
           <a:p>
             <a:fld id="{02AC24A9-CCB6-4F8D-B8DB-C2F3692CFA5A}" type="datetimeFigureOut">
               <a:rPr lang="en-US" smtClean="0"/>
-              <a:t>4/9/20</a:t>
+              <a:t>4/13/20</a:t>
             </a:fld>
             <a:endParaRPr lang="en-US"/>
           </a:p>
@@ -2662,7 +2662,7 @@
           <a:p>
             <a:fld id="{02AC24A9-CCB6-4F8D-B8DB-C2F3692CFA5A}" type="datetimeFigureOut">
               <a:rPr lang="en-US" smtClean="0"/>
-              <a:t>4/9/20</a:t>
+              <a:t>4/13/20</a:t>
             </a:fld>
             <a:endParaRPr lang="en-US"/>
           </a:p>
@@ -3056,7 +3056,7 @@
           <a:p>
             <a:fld id="{02AC24A9-CCB6-4F8D-B8DB-C2F3692CFA5A}" type="datetimeFigureOut">
               <a:rPr lang="en-US" smtClean="0"/>
-              <a:t>4/9/20</a:t>
+              <a:t>4/13/20</a:t>
             </a:fld>
             <a:endParaRPr lang="en-US"/>
           </a:p>
@@ -3533,7 +3533,7 @@
           <a:p>
             <a:fld id="{02AC24A9-CCB6-4F8D-B8DB-C2F3692CFA5A}" type="datetimeFigureOut">
               <a:rPr lang="en-US" smtClean="0"/>
-              <a:t>4/9/20</a:t>
+              <a:t>4/13/20</a:t>
             </a:fld>
             <a:endParaRPr lang="en-US"/>
           </a:p>
@@ -3651,7 +3651,7 @@
           <a:p>
             <a:fld id="{02AC24A9-CCB6-4F8D-B8DB-C2F3692CFA5A}" type="datetimeFigureOut">
               <a:rPr lang="en-US" smtClean="0"/>
-              <a:t>4/9/20</a:t>
+              <a:t>4/13/20</a:t>
             </a:fld>
             <a:endParaRPr lang="en-US"/>
           </a:p>
@@ -3746,7 +3746,7 @@
           <a:p>
             <a:fld id="{02AC24A9-CCB6-4F8D-B8DB-C2F3692CFA5A}" type="datetimeFigureOut">
               <a:rPr lang="en-US" smtClean="0"/>
-              <a:t>4/9/20</a:t>
+              <a:t>4/13/20</a:t>
             </a:fld>
             <a:endParaRPr lang="en-US"/>
           </a:p>
@@ -4092,7 +4092,7 @@
           <a:p>
             <a:fld id="{02AC24A9-CCB6-4F8D-B8DB-C2F3692CFA5A}" type="datetimeFigureOut">
               <a:rPr lang="en-US" smtClean="0"/>
-              <a:t>4/9/20</a:t>
+              <a:t>4/13/20</a:t>
             </a:fld>
             <a:endParaRPr lang="en-US" dirty="0"/>
           </a:p>
@@ -4480,7 +4480,7 @@
           <a:p>
             <a:fld id="{02AC24A9-CCB6-4F8D-B8DB-C2F3692CFA5A}" type="datetimeFigureOut">
               <a:rPr lang="en-US" smtClean="0"/>
-              <a:t>4/9/20</a:t>
+              <a:t>4/13/20</a:t>
             </a:fld>
             <a:endParaRPr lang="en-US"/>
           </a:p>
@@ -4758,7 +4758,7 @@
           <a:p>
             <a:fld id="{02AC24A9-CCB6-4F8D-B8DB-C2F3692CFA5A}" type="datetimeFigureOut">
               <a:rPr lang="en-US" smtClean="0"/>
-              <a:t>4/9/20</a:t>
+              <a:t>4/13/20</a:t>
             </a:fld>
             <a:endParaRPr lang="en-US"/>
           </a:p>
@@ -6028,22 +6028,25 @@
           </a:bodyPr>
           <a:lstStyle/>
           <a:p>
-            <a:r>
-              <a:rPr lang="en-US" sz="2800" dirty="0">
+            <a:pPr marL="0" indent="0">
+              <a:buNone/>
+            </a:pPr>
+            <a:r>
+              <a:rPr lang="en-US" sz="3200" dirty="0">
                 <a:latin typeface="Arial" panose="020B0604020202020204" pitchFamily="34" charset="0"/>
                 <a:cs typeface="Arial" panose="020B0604020202020204" pitchFamily="34" charset="0"/>
               </a:rPr>
               <a:t>an </a:t>
             </a:r>
             <a:r>
-              <a:rPr lang="en-US" sz="2800" i="1" dirty="0">
+              <a:rPr lang="en-US" sz="3200" i="1" dirty="0">
                 <a:latin typeface="Arial" panose="020B0604020202020204" pitchFamily="34" charset="0"/>
                 <a:cs typeface="Arial" panose="020B0604020202020204" pitchFamily="34" charset="0"/>
               </a:rPr>
               <a:t>object based </a:t>
             </a:r>
             <a:r>
-              <a:rPr lang="en-US" sz="2800" dirty="0">
+              <a:rPr lang="en-US" sz="3200" dirty="0">
                 <a:latin typeface="Arial" panose="020B0604020202020204" pitchFamily="34" charset="0"/>
                 <a:cs typeface="Arial" panose="020B0604020202020204" pitchFamily="34" charset="0"/>
               </a:rPr>
@@ -6078,7 +6081,7 @@
         <p:spPr>
           <a:xfrm>
             <a:off x="5065058" y="4092388"/>
-            <a:ext cx="1586753" cy="452719"/>
+            <a:ext cx="1884935" cy="813149"/>
           </a:xfrm>
           <a:prstGeom prst="rect">
             <a:avLst/>
@@ -6293,13 +6296,13 @@
               <a:buNone/>
             </a:pPr>
             <a:r>
-              <a:rPr lang="en-US" sz="2400" dirty="0">
+              <a:rPr lang="en-US" sz="2800" dirty="0">
                 <a:latin typeface="Arial" panose="020B0604020202020204" pitchFamily="34" charset="0"/>
                 <a:cs typeface="Arial" panose="020B0604020202020204" pitchFamily="34" charset="0"/>
               </a:rPr>
               <a:t>function</a:t>
             </a:r>
-            <a:endParaRPr lang="en-US" sz="1800" dirty="0">
+            <a:endParaRPr lang="en-US" dirty="0">
               <a:latin typeface="Arial" panose="020B0604020202020204" pitchFamily="34" charset="0"/>
               <a:cs typeface="Arial" panose="020B0604020202020204" pitchFamily="34" charset="0"/>
             </a:endParaRPr>
@@ -6350,8 +6353,8 @@
         </p:nvSpPr>
         <p:spPr>
           <a:xfrm>
-            <a:off x="3711388" y="4173071"/>
-            <a:ext cx="932329" cy="339540"/>
+            <a:off x="3711388" y="4173070"/>
+            <a:ext cx="1107532" cy="609863"/>
           </a:xfrm>
           <a:prstGeom prst="rightArrow">
             <a:avLst/>
@@ -6378,7 +6381,7 @@
           <a:lstStyle/>
           <a:p>
             <a:pPr algn="ctr"/>
-            <a:endParaRPr lang="en-US"/>
+            <a:endParaRPr lang="en-US" sz="2000"/>
           </a:p>
         </p:txBody>
       </p:sp>
@@ -6396,8 +6399,8 @@
         </p:nvSpPr>
         <p:spPr>
           <a:xfrm>
-            <a:off x="6875928" y="4173071"/>
-            <a:ext cx="932329" cy="339540"/>
+            <a:off x="7125676" y="4194030"/>
+            <a:ext cx="1107532" cy="609863"/>
           </a:xfrm>
           <a:prstGeom prst="rightArrow">
             <a:avLst/>
@@ -6424,7 +6427,7 @@
           <a:lstStyle/>
           <a:p>
             <a:pPr algn="ctr"/>
-            <a:endParaRPr lang="en-US"/>
+            <a:endParaRPr lang="en-US" sz="2000"/>
           </a:p>
         </p:txBody>
       </p:sp>
@@ -6442,8 +6445,8 @@
         </p:nvSpPr>
         <p:spPr>
           <a:xfrm>
-            <a:off x="2779055" y="4112008"/>
-            <a:ext cx="932330" cy="461665"/>
+            <a:off x="2498627" y="4173070"/>
+            <a:ext cx="1107533" cy="523220"/>
           </a:xfrm>
           <a:prstGeom prst="rect">
             <a:avLst/>
@@ -6457,7 +6460,7 @@
           <a:lstStyle/>
           <a:p>
             <a:r>
-              <a:rPr lang="en-US" sz="2400" dirty="0"/>
+              <a:rPr lang="en-US" sz="2800" dirty="0"/>
               <a:t>data</a:t>
             </a:r>
           </a:p>
@@ -6477,8 +6480,8 @@
         </p:nvSpPr>
         <p:spPr>
           <a:xfrm>
-            <a:off x="7879974" y="4083442"/>
-            <a:ext cx="1335743" cy="461665"/>
+            <a:off x="8408891" y="4216391"/>
+            <a:ext cx="1586755" cy="523220"/>
           </a:xfrm>
           <a:prstGeom prst="rect">
             <a:avLst/>
@@ -6492,7 +6495,7 @@
           <a:lstStyle/>
           <a:p>
             <a:r>
-              <a:rPr lang="en-US" sz="2400" dirty="0"/>
+              <a:rPr lang="en-US" sz="2800" dirty="0"/>
               <a:t>object</a:t>
             </a:r>
           </a:p>
@@ -6588,8 +6591,8 @@
         </p:nvSpPr>
         <p:spPr>
           <a:xfrm>
-            <a:off x="1371600" y="685799"/>
-            <a:ext cx="9601200" cy="4191001"/>
+            <a:off x="1057835" y="313765"/>
+            <a:ext cx="10829365" cy="6544235"/>
           </a:xfrm>
         </p:spPr>
         <p:txBody>
@@ -6603,7 +6606,7 @@
                 <a:latin typeface="Arial" panose="020B0604020202020204" pitchFamily="34" charset="0"/>
                 <a:cs typeface="Arial" panose="020B0604020202020204" pitchFamily="34" charset="0"/>
               </a:rPr>
-              <a:t>Pros				</a:t>
+              <a:t>Pros		</a:t>
             </a:r>
             <a:br>
               <a:rPr lang="en-US" dirty="0">
@@ -6612,7 +6615,7 @@
               </a:rPr>
             </a:br>
             <a:br>
-              <a:rPr lang="en-US" dirty="0">
+              <a:rPr lang="en-US" sz="2200" dirty="0">
                 <a:latin typeface="Arial" panose="020B0604020202020204" pitchFamily="34" charset="0"/>
                 <a:cs typeface="Arial" panose="020B0604020202020204" pitchFamily="34" charset="0"/>
               </a:rPr>
@@ -6679,16 +6682,30 @@
                 <a:latin typeface="Arial" panose="020B0604020202020204" pitchFamily="34" charset="0"/>
                 <a:cs typeface="Arial" panose="020B0604020202020204" pitchFamily="34" charset="0"/>
               </a:rPr>
-              <a:t>Broadly applicable</a:t>
+              <a:t>More broadly applied than other languages</a:t>
+            </a:r>
+            <a:r>
+              <a:rPr lang="en-US" sz="2400" dirty="0"/>
+              <a:t> (advanced web frameworks, web-based applications, desktop applications)</a:t>
             </a:r>
             <a:br>
-              <a:rPr lang="en-US" dirty="0">
+              <a:rPr lang="en-US" sz="2400" dirty="0"/>
+            </a:br>
+            <a:br>
+              <a:rPr lang="en-US" sz="2400" dirty="0"/>
+            </a:br>
+            <a:r>
+              <a:rPr lang="en-US" sz="2400" dirty="0"/>
+              <a:t>Coding style can be object-oriented and event-driven (classes) or more procedural (set step-by-step instructions/common tasks placed in functions). </a:t>
+            </a:r>
+            <a:br>
+              <a:rPr lang="en-US" sz="2200" dirty="0">
                 <a:latin typeface="Arial" panose="020B0604020202020204" pitchFamily="34" charset="0"/>
                 <a:cs typeface="Arial" panose="020B0604020202020204" pitchFamily="34" charset="0"/>
               </a:rPr>
             </a:br>
             <a:br>
-              <a:rPr lang="en-US" dirty="0">
+              <a:rPr lang="en-US" sz="2200" dirty="0">
                 <a:latin typeface="Arial" panose="020B0604020202020204" pitchFamily="34" charset="0"/>
                 <a:cs typeface="Arial" panose="020B0604020202020204" pitchFamily="34" charset="0"/>
               </a:rPr>
@@ -6717,7 +6734,7 @@
                 <a:latin typeface="Arial" panose="020B0604020202020204" pitchFamily="34" charset="0"/>
                 <a:cs typeface="Arial" panose="020B0604020202020204" pitchFamily="34" charset="0"/>
               </a:rPr>
-              <a:t>Slower than other languages (C, FORTRAN) for memory heavy uses</a:t>
+              <a:t>Slower than other languages for memory heavy uses</a:t>
             </a:r>
             <a:br>
               <a:rPr lang="en-US" sz="2400" dirty="0">
@@ -6744,7 +6761,13 @@
                 <a:cs typeface="Arial" panose="020B0604020202020204" pitchFamily="34" charset="0"/>
               </a:rPr>
             </a:br>
-            <a:endParaRPr lang="en-US" dirty="0">
+            <a:br>
+              <a:rPr lang="en-US" sz="2200" dirty="0">
+                <a:latin typeface="Arial" panose="020B0604020202020204" pitchFamily="34" charset="0"/>
+                <a:cs typeface="Arial" panose="020B0604020202020204" pitchFamily="34" charset="0"/>
+              </a:rPr>
+            </a:br>
+            <a:endParaRPr lang="en-US" sz="2400" dirty="0">
               <a:latin typeface="Arial" panose="020B0604020202020204" pitchFamily="34" charset="0"/>
               <a:cs typeface="Arial" panose="020B0604020202020204" pitchFamily="34" charset="0"/>
             </a:endParaRPr>
@@ -6765,7 +6788,7 @@
         </p:nvSpPr>
         <p:spPr>
           <a:xfrm>
-            <a:off x="3220911" y="5467580"/>
+            <a:off x="6289422" y="6157119"/>
             <a:ext cx="5902578" cy="523220"/>
           </a:xfrm>
           <a:prstGeom prst="rect">

--- a/Lesson1/Python1.pptx
+++ b/Lesson1/Python1.pptx
@@ -209,7 +209,7 @@
           <a:p>
             <a:fld id="{8A5EC77C-AAFF-B543-BD6B-A96F6817F91A}" type="datetimeFigureOut">
               <a:rPr lang="en-US" smtClean="0"/>
-              <a:t>4/13/20</a:t>
+              <a:t>4/14/20</a:t>
             </a:fld>
             <a:endParaRPr lang="en-US"/>
           </a:p>
@@ -521,56 +521,17 @@
           <a:lstStyle/>
           <a:p>
             <a:r>
-              <a:rPr lang="en-US" sz="1200" b="1" i="0" u="none" strike="noStrike" kern="1200" dirty="0">
-                <a:solidFill>
-                  <a:schemeClr val="tx1"/>
-                </a:solidFill>
-                <a:effectLst/>
-                <a:latin typeface="+mn-lt"/>
-                <a:ea typeface="+mn-ea"/>
-                <a:cs typeface="+mn-cs"/>
-              </a:rPr>
-              <a:t>Object</a:t>
-            </a:r>
-            <a:r>
-              <a:rPr lang="en-US" sz="1200" b="0" i="0" u="none" strike="noStrike" kern="1200" dirty="0">
-                <a:solidFill>
-                  <a:schemeClr val="tx1"/>
-                </a:solidFill>
-                <a:effectLst/>
-                <a:latin typeface="+mn-lt"/>
-                <a:ea typeface="+mn-ea"/>
-                <a:cs typeface="+mn-cs"/>
-              </a:rPr>
-              <a:t> -a collection of data (variables) and methods (functions) that act on those data</a:t>
-            </a:r>
-          </a:p>
-          <a:p>
-            <a:r>
-              <a:rPr lang="en-US" sz="1200" b="1" i="0" u="none" strike="noStrike" kern="1200" dirty="0">
-                <a:solidFill>
-                  <a:schemeClr val="tx1"/>
-                </a:solidFill>
-                <a:effectLst/>
-                <a:latin typeface="+mn-lt"/>
-                <a:ea typeface="+mn-ea"/>
-                <a:cs typeface="+mn-cs"/>
-              </a:rPr>
-              <a:t>Higher language- </a:t>
-            </a:r>
-            <a:r>
-              <a:rPr lang="en-US" sz="1200" b="0" i="0" u="none" strike="noStrike" kern="1200" dirty="0">
-                <a:solidFill>
-                  <a:schemeClr val="tx1"/>
-                </a:solidFill>
-                <a:effectLst/>
-                <a:latin typeface="+mn-lt"/>
-                <a:ea typeface="+mn-ea"/>
-                <a:cs typeface="+mn-cs"/>
-              </a:rPr>
-              <a:t>more abstraction from computer language</a:t>
-            </a:r>
-            <a:endParaRPr lang="en-US" dirty="0"/>
+              <a:rPr lang="en-US" dirty="0"/>
+              <a:t>Hello, my name is Ashley Cohen and I want to welcome you to the first </a:t>
+            </a:r>
+            <a:r>
+              <a:rPr lang="en-US" dirty="0" err="1"/>
+              <a:t>biovcn</a:t>
+            </a:r>
+            <a:r>
+              <a:rPr lang="en-US" dirty="0"/>
+              <a:t> python lesson and tutorial</a:t>
+            </a:r>
           </a:p>
         </p:txBody>
       </p:sp>
@@ -591,7 +552,7 @@
           <a:p>
             <a:fld id="{4915523C-4997-1341-B05E-C9F36D40AF9A}" type="slidenum">
               <a:rPr lang="en-US" smtClean="0"/>
-              <a:t>3</a:t>
+              <a:t>1</a:t>
             </a:fld>
             <a:endParaRPr lang="en-US"/>
           </a:p>
@@ -600,7 +561,7 @@
     </p:spTree>
     <p:extLst>
       <p:ext uri="{BB962C8B-B14F-4D97-AF65-F5344CB8AC3E}">
-        <p14:creationId xmlns:p14="http://schemas.microsoft.com/office/powerpoint/2010/main" val="3088353170"/>
+        <p14:creationId xmlns:p14="http://schemas.microsoft.com/office/powerpoint/2010/main" val="3360372872"/>
       </p:ext>
     </p:extLst>
   </p:cSld>
@@ -675,6 +636,174 @@
           <a:p>
             <a:fld id="{4915523C-4997-1341-B05E-C9F36D40AF9A}" type="slidenum">
               <a:rPr lang="en-US" smtClean="0"/>
+              <a:t>10</a:t>
+            </a:fld>
+            <a:endParaRPr lang="en-US"/>
+          </a:p>
+        </p:txBody>
+      </p:sp>
+    </p:spTree>
+    <p:extLst>
+      <p:ext uri="{BB962C8B-B14F-4D97-AF65-F5344CB8AC3E}">
+        <p14:creationId xmlns:p14="http://schemas.microsoft.com/office/powerpoint/2010/main" val="2226065380"/>
+      </p:ext>
+    </p:extLst>
+  </p:cSld>
+  <p:clrMapOvr>
+    <a:masterClrMapping/>
+  </p:clrMapOvr>
+</p:notes>
+</file>
+
+<file path=ppt/notesSlides/notesSlide11.xml><?xml version="1.0" encoding="utf-8"?>
+<p:notes xmlns:a="http://schemas.openxmlformats.org/drawingml/2006/main" xmlns:r="http://schemas.openxmlformats.org/officeDocument/2006/relationships" xmlns:p="http://schemas.openxmlformats.org/presentationml/2006/main">
+  <p:cSld>
+    <p:spTree>
+      <p:nvGrpSpPr>
+        <p:cNvPr id="1" name=""/>
+        <p:cNvGrpSpPr/>
+        <p:nvPr/>
+      </p:nvGrpSpPr>
+      <p:grpSpPr>
+        <a:xfrm>
+          <a:off x="0" y="0"/>
+          <a:ext cx="0" cy="0"/>
+          <a:chOff x="0" y="0"/>
+          <a:chExt cx="0" cy="0"/>
+        </a:xfrm>
+      </p:grpSpPr>
+      <p:sp>
+        <p:nvSpPr>
+          <p:cNvPr id="2" name="Slide Image Placeholder 1"/>
+          <p:cNvSpPr>
+            <a:spLocks noGrp="1" noRot="1" noChangeAspect="1"/>
+          </p:cNvSpPr>
+          <p:nvPr>
+            <p:ph type="sldImg"/>
+          </p:nvPr>
+        </p:nvSpPr>
+        <p:spPr/>
+      </p:sp>
+      <p:sp>
+        <p:nvSpPr>
+          <p:cNvPr id="3" name="Notes Placeholder 2"/>
+          <p:cNvSpPr>
+            <a:spLocks noGrp="1"/>
+          </p:cNvSpPr>
+          <p:nvPr>
+            <p:ph type="body" idx="1"/>
+          </p:nvPr>
+        </p:nvSpPr>
+        <p:spPr/>
+        <p:txBody>
+          <a:bodyPr/>
+          <a:lstStyle/>
+          <a:p>
+            <a:endParaRPr lang="en-US" dirty="0"/>
+          </a:p>
+        </p:txBody>
+      </p:sp>
+      <p:sp>
+        <p:nvSpPr>
+          <p:cNvPr id="4" name="Slide Number Placeholder 3"/>
+          <p:cNvSpPr>
+            <a:spLocks noGrp="1"/>
+          </p:cNvSpPr>
+          <p:nvPr>
+            <p:ph type="sldNum" sz="quarter" idx="5"/>
+          </p:nvPr>
+        </p:nvSpPr>
+        <p:spPr/>
+        <p:txBody>
+          <a:bodyPr/>
+          <a:lstStyle/>
+          <a:p>
+            <a:fld id="{4915523C-4997-1341-B05E-C9F36D40AF9A}" type="slidenum">
+              <a:rPr lang="en-US" smtClean="0"/>
+              <a:t>11</a:t>
+            </a:fld>
+            <a:endParaRPr lang="en-US"/>
+          </a:p>
+        </p:txBody>
+      </p:sp>
+    </p:spTree>
+    <p:extLst>
+      <p:ext uri="{BB962C8B-B14F-4D97-AF65-F5344CB8AC3E}">
+        <p14:creationId xmlns:p14="http://schemas.microsoft.com/office/powerpoint/2010/main" val="2859195251"/>
+      </p:ext>
+    </p:extLst>
+  </p:cSld>
+  <p:clrMapOvr>
+    <a:masterClrMapping/>
+  </p:clrMapOvr>
+</p:notes>
+</file>
+
+<file path=ppt/notesSlides/notesSlide12.xml><?xml version="1.0" encoding="utf-8"?>
+<p:notes xmlns:a="http://schemas.openxmlformats.org/drawingml/2006/main" xmlns:r="http://schemas.openxmlformats.org/officeDocument/2006/relationships" xmlns:p="http://schemas.openxmlformats.org/presentationml/2006/main">
+  <p:cSld>
+    <p:spTree>
+      <p:nvGrpSpPr>
+        <p:cNvPr id="1" name=""/>
+        <p:cNvGrpSpPr/>
+        <p:nvPr/>
+      </p:nvGrpSpPr>
+      <p:grpSpPr>
+        <a:xfrm>
+          <a:off x="0" y="0"/>
+          <a:ext cx="0" cy="0"/>
+          <a:chOff x="0" y="0"/>
+          <a:chExt cx="0" cy="0"/>
+        </a:xfrm>
+      </p:grpSpPr>
+      <p:sp>
+        <p:nvSpPr>
+          <p:cNvPr id="2" name="Slide Image Placeholder 1"/>
+          <p:cNvSpPr>
+            <a:spLocks noGrp="1" noRot="1" noChangeAspect="1"/>
+          </p:cNvSpPr>
+          <p:nvPr>
+            <p:ph type="sldImg"/>
+          </p:nvPr>
+        </p:nvSpPr>
+        <p:spPr/>
+      </p:sp>
+      <p:sp>
+        <p:nvSpPr>
+          <p:cNvPr id="3" name="Notes Placeholder 2"/>
+          <p:cNvSpPr>
+            <a:spLocks noGrp="1"/>
+          </p:cNvSpPr>
+          <p:nvPr>
+            <p:ph type="body" idx="1"/>
+          </p:nvPr>
+        </p:nvSpPr>
+        <p:spPr/>
+        <p:txBody>
+          <a:bodyPr/>
+          <a:lstStyle/>
+          <a:p>
+            <a:endParaRPr lang="en-US" dirty="0"/>
+          </a:p>
+        </p:txBody>
+      </p:sp>
+      <p:sp>
+        <p:nvSpPr>
+          <p:cNvPr id="4" name="Slide Number Placeholder 3"/>
+          <p:cNvSpPr>
+            <a:spLocks noGrp="1"/>
+          </p:cNvSpPr>
+          <p:nvPr>
+            <p:ph type="sldNum" sz="quarter" idx="5"/>
+          </p:nvPr>
+        </p:nvSpPr>
+        <p:spPr/>
+        <p:txBody>
+          <a:bodyPr/>
+          <a:lstStyle/>
+          <a:p>
+            <a:fld id="{4915523C-4997-1341-B05E-C9F36D40AF9A}" type="slidenum">
+              <a:rPr lang="en-US" smtClean="0"/>
               <a:t>12</a:t>
             </a:fld>
             <a:endParaRPr lang="en-US"/>
@@ -694,7 +823,7 @@
 </p:notes>
 </file>
 
-<file path=ppt/notesSlides/notesSlide11.xml><?xml version="1.0" encoding="utf-8"?>
+<file path=ppt/notesSlides/notesSlide13.xml><?xml version="1.0" encoding="utf-8"?>
 <p:notes xmlns:a="http://schemas.openxmlformats.org/drawingml/2006/main" xmlns:r="http://schemas.openxmlformats.org/officeDocument/2006/relationships" xmlns:p="http://schemas.openxmlformats.org/presentationml/2006/main">
   <p:cSld>
     <p:spTree>
@@ -823,42 +952,9 @@
           <a:lstStyle/>
           <a:p>
             <a:r>
-              <a:rPr lang="en-US" sz="1200" b="0" i="0" u="none" strike="noStrike" kern="1200" dirty="0">
-                <a:solidFill>
-                  <a:schemeClr val="tx1"/>
-                </a:solidFill>
-                <a:effectLst/>
-                <a:latin typeface="+mn-lt"/>
-                <a:ea typeface="+mn-ea"/>
-                <a:cs typeface="+mn-cs"/>
-              </a:rPr>
-              <a:t>“broadly applicable”: advanced web frameworks such as Django, web based applications such as Dropbox, desktop applications such as </a:t>
-            </a:r>
-            <a:r>
-              <a:rPr lang="en-US" sz="1200" b="0" i="0" u="none" strike="noStrike" kern="1200" dirty="0" err="1">
-                <a:solidFill>
-                  <a:schemeClr val="tx1"/>
-                </a:solidFill>
-                <a:effectLst/>
-                <a:latin typeface="+mn-lt"/>
-                <a:ea typeface="+mn-ea"/>
-                <a:cs typeface="+mn-cs"/>
-              </a:rPr>
-              <a:t>PyMOL</a:t>
-            </a:r>
-            <a:r>
-              <a:rPr lang="en-US" sz="1200" b="0" i="0" u="none" strike="noStrike" kern="1200" dirty="0">
-                <a:solidFill>
-                  <a:schemeClr val="tx1"/>
-                </a:solidFill>
-                <a:effectLst/>
-                <a:latin typeface="+mn-lt"/>
-                <a:ea typeface="+mn-ea"/>
-                <a:cs typeface="+mn-cs"/>
-              </a:rPr>
-              <a:t>. </a:t>
-            </a:r>
-            <a:endParaRPr lang="en-US" dirty="0"/>
+              <a:rPr lang="en-US" dirty="0"/>
+              <a:t>So, the first thing I want go over is what python is and what distinguishes it from other coding languages</a:t>
+            </a:r>
           </a:p>
         </p:txBody>
       </p:sp>
@@ -879,7 +975,7 @@
           <a:p>
             <a:fld id="{4915523C-4997-1341-B05E-C9F36D40AF9A}" type="slidenum">
               <a:rPr lang="en-US" smtClean="0"/>
-              <a:t>4</a:t>
+              <a:t>2</a:t>
             </a:fld>
             <a:endParaRPr lang="en-US"/>
           </a:p>
@@ -888,7 +984,7 @@
     </p:spTree>
     <p:extLst>
       <p:ext uri="{BB962C8B-B14F-4D97-AF65-F5344CB8AC3E}">
-        <p14:creationId xmlns:p14="http://schemas.microsoft.com/office/powerpoint/2010/main" val="2615521763"/>
+        <p14:creationId xmlns:p14="http://schemas.microsoft.com/office/powerpoint/2010/main" val="2975949606"/>
       </p:ext>
     </p:extLst>
   </p:cSld>
@@ -942,6 +1038,23 @@
           <a:bodyPr/>
           <a:lstStyle/>
           <a:p>
+            <a:pPr marL="0" marR="0" lvl="0" indent="0" algn="l" defTabSz="914400" rtl="0" eaLnBrk="1" fontAlgn="auto" latinLnBrk="0" hangingPunct="1">
+              <a:lnSpc>
+                <a:spcPct val="100000"/>
+              </a:lnSpc>
+              <a:spcBef>
+                <a:spcPts val="0"/>
+              </a:spcBef>
+              <a:spcAft>
+                <a:spcPts val="0"/>
+              </a:spcAft>
+              <a:buClrTx/>
+              <a:buSzTx/>
+              <a:buFontTx/>
+              <a:buNone/>
+              <a:tabLst/>
+              <a:defRPr/>
+            </a:pPr>
             <a:r>
               <a:rPr lang="en-US" sz="1200" b="1" i="0" u="none" strike="noStrike" kern="1200" dirty="0">
                 <a:solidFill>
@@ -968,6 +1081,53 @@
             </a:r>
           </a:p>
           <a:p>
+            <a:endParaRPr lang="en-US" sz="1200" b="0" i="0" u="none" strike="noStrike" kern="1200" dirty="0">
+              <a:solidFill>
+                <a:schemeClr val="tx1"/>
+              </a:solidFill>
+              <a:effectLst/>
+              <a:latin typeface="+mn-lt"/>
+              <a:ea typeface="+mn-ea"/>
+              <a:cs typeface="+mn-cs"/>
+            </a:endParaRPr>
+          </a:p>
+          <a:p>
+            <a:endParaRPr lang="en-US" sz="1200" b="0" i="0" u="none" strike="noStrike" kern="1200" dirty="0">
+              <a:solidFill>
+                <a:schemeClr val="tx1"/>
+              </a:solidFill>
+              <a:effectLst/>
+              <a:latin typeface="+mn-lt"/>
+              <a:ea typeface="+mn-ea"/>
+              <a:cs typeface="+mn-cs"/>
+            </a:endParaRPr>
+          </a:p>
+          <a:p>
+            <a:r>
+              <a:rPr lang="en-US" sz="1200" b="0" i="0" u="none" strike="noStrike" kern="1200" dirty="0">
+                <a:solidFill>
+                  <a:schemeClr val="tx1"/>
+                </a:solidFill>
+                <a:effectLst/>
+                <a:latin typeface="+mn-lt"/>
+                <a:ea typeface="+mn-ea"/>
+                <a:cs typeface="+mn-cs"/>
+              </a:rPr>
+              <a:t>We can think of python much like the schematic of a mathematical function you have seen your high school algebra text book.</a:t>
+            </a:r>
+          </a:p>
+          <a:p>
+            <a:endParaRPr lang="en-US" sz="1200" b="1" i="0" u="none" strike="noStrike" kern="1200" dirty="0">
+              <a:solidFill>
+                <a:schemeClr val="tx1"/>
+              </a:solidFill>
+              <a:effectLst/>
+              <a:latin typeface="+mn-lt"/>
+              <a:ea typeface="+mn-ea"/>
+              <a:cs typeface="+mn-cs"/>
+            </a:endParaRPr>
+          </a:p>
+          <a:p>
             <a:r>
               <a:rPr lang="en-US" sz="1200" b="1" i="0" u="none" strike="noStrike" kern="1200" dirty="0">
                 <a:solidFill>
@@ -1013,7 +1173,7 @@
           <a:p>
             <a:fld id="{4915523C-4997-1341-B05E-C9F36D40AF9A}" type="slidenum">
               <a:rPr lang="en-US" smtClean="0"/>
-              <a:t>5</a:t>
+              <a:t>3</a:t>
             </a:fld>
             <a:endParaRPr lang="en-US"/>
           </a:p>
@@ -1022,7 +1182,7 @@
     </p:spTree>
     <p:extLst>
       <p:ext uri="{BB962C8B-B14F-4D97-AF65-F5344CB8AC3E}">
-        <p14:creationId xmlns:p14="http://schemas.microsoft.com/office/powerpoint/2010/main" val="829657530"/>
+        <p14:creationId xmlns:p14="http://schemas.microsoft.com/office/powerpoint/2010/main" val="3088353170"/>
       </p:ext>
     </p:extLst>
   </p:cSld>
@@ -1076,6 +1236,42 @@
           <a:bodyPr/>
           <a:lstStyle/>
           <a:p>
+            <a:r>
+              <a:rPr lang="en-US" sz="1200" b="0" i="0" u="none" strike="noStrike" kern="1200" dirty="0">
+                <a:solidFill>
+                  <a:schemeClr val="tx1"/>
+                </a:solidFill>
+                <a:effectLst/>
+                <a:latin typeface="+mn-lt"/>
+                <a:ea typeface="+mn-ea"/>
+                <a:cs typeface="+mn-cs"/>
+              </a:rPr>
+              <a:t>“broadly applicable”: advanced web frameworks such as Django, web based applications such as Dropbox, desktop applications such as </a:t>
+            </a:r>
+            <a:r>
+              <a:rPr lang="en-US" sz="1200" b="0" i="0" u="none" strike="noStrike" kern="1200" dirty="0" err="1">
+                <a:solidFill>
+                  <a:schemeClr val="tx1"/>
+                </a:solidFill>
+                <a:effectLst/>
+                <a:latin typeface="+mn-lt"/>
+                <a:ea typeface="+mn-ea"/>
+                <a:cs typeface="+mn-cs"/>
+              </a:rPr>
+              <a:t>PyMOL</a:t>
+            </a:r>
+            <a:r>
+              <a:rPr lang="en-US" sz="1200" b="0" i="0" u="none" strike="noStrike" kern="1200" dirty="0">
+                <a:solidFill>
+                  <a:schemeClr val="tx1"/>
+                </a:solidFill>
+                <a:effectLst/>
+                <a:latin typeface="+mn-lt"/>
+                <a:ea typeface="+mn-ea"/>
+                <a:cs typeface="+mn-cs"/>
+              </a:rPr>
+              <a:t>. </a:t>
+            </a:r>
             <a:endParaRPr lang="en-US" dirty="0"/>
           </a:p>
         </p:txBody>
@@ -1097,7 +1293,7 @@
           <a:p>
             <a:fld id="{4915523C-4997-1341-B05E-C9F36D40AF9A}" type="slidenum">
               <a:rPr lang="en-US" smtClean="0"/>
-              <a:t>6</a:t>
+              <a:t>4</a:t>
             </a:fld>
             <a:endParaRPr lang="en-US"/>
           </a:p>
@@ -1106,7 +1302,7 @@
     </p:spTree>
     <p:extLst>
       <p:ext uri="{BB962C8B-B14F-4D97-AF65-F5344CB8AC3E}">
-        <p14:creationId xmlns:p14="http://schemas.microsoft.com/office/powerpoint/2010/main" val="2324393756"/>
+        <p14:creationId xmlns:p14="http://schemas.microsoft.com/office/powerpoint/2010/main" val="2615521763"/>
       </p:ext>
     </p:extLst>
   </p:cSld>
@@ -1160,6 +1356,56 @@
           <a:bodyPr/>
           <a:lstStyle/>
           <a:p>
+            <a:r>
+              <a:rPr lang="en-US" sz="1200" b="1" i="0" u="none" strike="noStrike" kern="1200" dirty="0">
+                <a:solidFill>
+                  <a:schemeClr val="tx1"/>
+                </a:solidFill>
+                <a:effectLst/>
+                <a:latin typeface="+mn-lt"/>
+                <a:ea typeface="+mn-ea"/>
+                <a:cs typeface="+mn-cs"/>
+              </a:rPr>
+              <a:t>Object</a:t>
+            </a:r>
+            <a:r>
+              <a:rPr lang="en-US" sz="1200" b="0" i="0" u="none" strike="noStrike" kern="1200" dirty="0">
+                <a:solidFill>
+                  <a:schemeClr val="tx1"/>
+                </a:solidFill>
+                <a:effectLst/>
+                <a:latin typeface="+mn-lt"/>
+                <a:ea typeface="+mn-ea"/>
+                <a:cs typeface="+mn-cs"/>
+              </a:rPr>
+              <a:t> -a collection of data (variables) and methods (functions) that act on those data</a:t>
+            </a:r>
+          </a:p>
+          <a:p>
+            <a:r>
+              <a:rPr lang="en-US" sz="1200" b="1" i="0" u="none" strike="noStrike" kern="1200" dirty="0">
+                <a:solidFill>
+                  <a:schemeClr val="tx1"/>
+                </a:solidFill>
+                <a:effectLst/>
+                <a:latin typeface="+mn-lt"/>
+                <a:ea typeface="+mn-ea"/>
+                <a:cs typeface="+mn-cs"/>
+              </a:rPr>
+              <a:t>Higher language- </a:t>
+            </a:r>
+            <a:r>
+              <a:rPr lang="en-US" sz="1200" b="0" i="0" u="none" strike="noStrike" kern="1200" dirty="0">
+                <a:solidFill>
+                  <a:schemeClr val="tx1"/>
+                </a:solidFill>
+                <a:effectLst/>
+                <a:latin typeface="+mn-lt"/>
+                <a:ea typeface="+mn-ea"/>
+                <a:cs typeface="+mn-cs"/>
+              </a:rPr>
+              <a:t>more abstraction from computer language</a:t>
+            </a:r>
             <a:endParaRPr lang="en-US" dirty="0"/>
           </a:p>
         </p:txBody>
@@ -1181,7 +1427,7 @@
           <a:p>
             <a:fld id="{4915523C-4997-1341-B05E-C9F36D40AF9A}" type="slidenum">
               <a:rPr lang="en-US" smtClean="0"/>
-              <a:t>7</a:t>
+              <a:t>5</a:t>
             </a:fld>
             <a:endParaRPr lang="en-US"/>
           </a:p>
@@ -1190,7 +1436,7 @@
     </p:spTree>
     <p:extLst>
       <p:ext uri="{BB962C8B-B14F-4D97-AF65-F5344CB8AC3E}">
-        <p14:creationId xmlns:p14="http://schemas.microsoft.com/office/powerpoint/2010/main" val="3614270120"/>
+        <p14:creationId xmlns:p14="http://schemas.microsoft.com/office/powerpoint/2010/main" val="829657530"/>
       </p:ext>
     </p:extLst>
   </p:cSld>
@@ -1265,7 +1511,7 @@
           <a:p>
             <a:fld id="{4915523C-4997-1341-B05E-C9F36D40AF9A}" type="slidenum">
               <a:rPr lang="en-US" smtClean="0"/>
-              <a:t>8</a:t>
+              <a:t>6</a:t>
             </a:fld>
             <a:endParaRPr lang="en-US"/>
           </a:p>
@@ -1274,7 +1520,7 @@
     </p:spTree>
     <p:extLst>
       <p:ext uri="{BB962C8B-B14F-4D97-AF65-F5344CB8AC3E}">
-        <p14:creationId xmlns:p14="http://schemas.microsoft.com/office/powerpoint/2010/main" val="112788428"/>
+        <p14:creationId xmlns:p14="http://schemas.microsoft.com/office/powerpoint/2010/main" val="2324393756"/>
       </p:ext>
     </p:extLst>
   </p:cSld>
@@ -1349,7 +1595,7 @@
           <a:p>
             <a:fld id="{4915523C-4997-1341-B05E-C9F36D40AF9A}" type="slidenum">
               <a:rPr lang="en-US" smtClean="0"/>
-              <a:t>9</a:t>
+              <a:t>7</a:t>
             </a:fld>
             <a:endParaRPr lang="en-US"/>
           </a:p>
@@ -1358,7 +1604,7 @@
     </p:spTree>
     <p:extLst>
       <p:ext uri="{BB962C8B-B14F-4D97-AF65-F5344CB8AC3E}">
-        <p14:creationId xmlns:p14="http://schemas.microsoft.com/office/powerpoint/2010/main" val="1573059946"/>
+        <p14:creationId xmlns:p14="http://schemas.microsoft.com/office/powerpoint/2010/main" val="3614270120"/>
       </p:ext>
     </p:extLst>
   </p:cSld>
@@ -1433,7 +1679,7 @@
           <a:p>
             <a:fld id="{4915523C-4997-1341-B05E-C9F36D40AF9A}" type="slidenum">
               <a:rPr lang="en-US" smtClean="0"/>
-              <a:t>10</a:t>
+              <a:t>8</a:t>
             </a:fld>
             <a:endParaRPr lang="en-US"/>
           </a:p>
@@ -1442,7 +1688,7 @@
     </p:spTree>
     <p:extLst>
       <p:ext uri="{BB962C8B-B14F-4D97-AF65-F5344CB8AC3E}">
-        <p14:creationId xmlns:p14="http://schemas.microsoft.com/office/powerpoint/2010/main" val="2226065380"/>
+        <p14:creationId xmlns:p14="http://schemas.microsoft.com/office/powerpoint/2010/main" val="112788428"/>
       </p:ext>
     </p:extLst>
   </p:cSld>
@@ -1517,7 +1763,7 @@
           <a:p>
             <a:fld id="{4915523C-4997-1341-B05E-C9F36D40AF9A}" type="slidenum">
               <a:rPr lang="en-US" smtClean="0"/>
-              <a:t>11</a:t>
+              <a:t>9</a:t>
             </a:fld>
             <a:endParaRPr lang="en-US"/>
           </a:p>
@@ -1526,7 +1772,7 @@
     </p:spTree>
     <p:extLst>
       <p:ext uri="{BB962C8B-B14F-4D97-AF65-F5344CB8AC3E}">
-        <p14:creationId xmlns:p14="http://schemas.microsoft.com/office/powerpoint/2010/main" val="2859195251"/>
+        <p14:creationId xmlns:p14="http://schemas.microsoft.com/office/powerpoint/2010/main" val="1573059946"/>
       </p:ext>
     </p:extLst>
   </p:cSld>
@@ -1705,7 +1951,7 @@
           <a:p>
             <a:fld id="{02AC24A9-CCB6-4F8D-B8DB-C2F3692CFA5A}" type="datetimeFigureOut">
               <a:rPr lang="en-US" smtClean="0"/>
-              <a:t>4/13/20</a:t>
+              <a:t>4/14/20</a:t>
             </a:fld>
             <a:endParaRPr lang="en-US" dirty="0"/>
           </a:p>
@@ -2035,7 +2281,7 @@
           <a:p>
             <a:fld id="{02AC24A9-CCB6-4F8D-B8DB-C2F3692CFA5A}" type="datetimeFigureOut">
               <a:rPr lang="en-US" smtClean="0"/>
-              <a:t>4/13/20</a:t>
+              <a:t>4/14/20</a:t>
             </a:fld>
             <a:endParaRPr lang="en-US"/>
           </a:p>
@@ -2215,7 +2461,7 @@
           <a:p>
             <a:fld id="{02AC24A9-CCB6-4F8D-B8DB-C2F3692CFA5A}" type="datetimeFigureOut">
               <a:rPr lang="en-US" smtClean="0"/>
-              <a:t>4/13/20</a:t>
+              <a:t>4/14/20</a:t>
             </a:fld>
             <a:endParaRPr lang="en-US"/>
           </a:p>
@@ -2385,7 +2631,7 @@
           <a:p>
             <a:fld id="{02AC24A9-CCB6-4F8D-B8DB-C2F3692CFA5A}" type="datetimeFigureOut">
               <a:rPr lang="en-US" smtClean="0"/>
-              <a:t>4/13/20</a:t>
+              <a:t>4/14/20</a:t>
             </a:fld>
             <a:endParaRPr lang="en-US"/>
           </a:p>
@@ -2662,7 +2908,7 @@
           <a:p>
             <a:fld id="{02AC24A9-CCB6-4F8D-B8DB-C2F3692CFA5A}" type="datetimeFigureOut">
               <a:rPr lang="en-US" smtClean="0"/>
-              <a:t>4/13/20</a:t>
+              <a:t>4/14/20</a:t>
             </a:fld>
             <a:endParaRPr lang="en-US"/>
           </a:p>
@@ -3056,7 +3302,7 @@
           <a:p>
             <a:fld id="{02AC24A9-CCB6-4F8D-B8DB-C2F3692CFA5A}" type="datetimeFigureOut">
               <a:rPr lang="en-US" smtClean="0"/>
-              <a:t>4/13/20</a:t>
+              <a:t>4/14/20</a:t>
             </a:fld>
             <a:endParaRPr lang="en-US"/>
           </a:p>
@@ -3533,7 +3779,7 @@
           <a:p>
             <a:fld id="{02AC24A9-CCB6-4F8D-B8DB-C2F3692CFA5A}" type="datetimeFigureOut">
               <a:rPr lang="en-US" smtClean="0"/>
-              <a:t>4/13/20</a:t>
+              <a:t>4/14/20</a:t>
             </a:fld>
             <a:endParaRPr lang="en-US"/>
           </a:p>
@@ -3651,7 +3897,7 @@
           <a:p>
             <a:fld id="{02AC24A9-CCB6-4F8D-B8DB-C2F3692CFA5A}" type="datetimeFigureOut">
               <a:rPr lang="en-US" smtClean="0"/>
-              <a:t>4/13/20</a:t>
+              <a:t>4/14/20</a:t>
             </a:fld>
             <a:endParaRPr lang="en-US"/>
           </a:p>
@@ -3746,7 +3992,7 @@
           <a:p>
             <a:fld id="{02AC24A9-CCB6-4F8D-B8DB-C2F3692CFA5A}" type="datetimeFigureOut">
               <a:rPr lang="en-US" smtClean="0"/>
-              <a:t>4/13/20</a:t>
+              <a:t>4/14/20</a:t>
             </a:fld>
             <a:endParaRPr lang="en-US"/>
           </a:p>
@@ -4092,7 +4338,7 @@
           <a:p>
             <a:fld id="{02AC24A9-CCB6-4F8D-B8DB-C2F3692CFA5A}" type="datetimeFigureOut">
               <a:rPr lang="en-US" smtClean="0"/>
-              <a:t>4/13/20</a:t>
+              <a:t>4/14/20</a:t>
             </a:fld>
             <a:endParaRPr lang="en-US" dirty="0"/>
           </a:p>
@@ -4480,7 +4726,7 @@
           <a:p>
             <a:fld id="{02AC24A9-CCB6-4F8D-B8DB-C2F3692CFA5A}" type="datetimeFigureOut">
               <a:rPr lang="en-US" smtClean="0"/>
-              <a:t>4/13/20</a:t>
+              <a:t>4/14/20</a:t>
             </a:fld>
             <a:endParaRPr lang="en-US"/>
           </a:p>
@@ -4758,7 +5004,7 @@
           <a:p>
             <a:fld id="{02AC24A9-CCB6-4F8D-B8DB-C2F3692CFA5A}" type="datetimeFigureOut">
               <a:rPr lang="en-US" smtClean="0"/>
-              <a:t>4/13/20</a:t>
+              <a:t>4/14/20</a:t>
             </a:fld>
             <a:endParaRPr lang="en-US"/>
           </a:p>
@@ -6080,7 +6326,7 @@
         </p:nvSpPr>
         <p:spPr>
           <a:xfrm>
-            <a:off x="5065058" y="4092388"/>
+            <a:off x="4616823" y="4092388"/>
             <a:ext cx="1884935" cy="813149"/>
           </a:xfrm>
           <a:prstGeom prst="rect">
@@ -6353,7 +6599,7 @@
         </p:nvSpPr>
         <p:spPr>
           <a:xfrm>
-            <a:off x="3711388" y="4173070"/>
+            <a:off x="3245224" y="4173070"/>
             <a:ext cx="1107532" cy="609863"/>
           </a:xfrm>
           <a:prstGeom prst="rightArrow">
@@ -6387,10 +6633,45 @@
       </p:sp>
       <p:sp>
         <p:nvSpPr>
-          <p:cNvPr id="9" name="Right Arrow 8">
+          <p:cNvPr id="10" name="TextBox 9">
             <a:extLst>
               <a:ext uri="{FF2B5EF4-FFF2-40B4-BE49-F238E27FC236}">
-                <a16:creationId xmlns:a16="http://schemas.microsoft.com/office/drawing/2014/main" id="{020130C1-9F56-B246-AF6E-40C83578DBBB}"/>
+                <a16:creationId xmlns:a16="http://schemas.microsoft.com/office/drawing/2014/main" id="{22A5E886-DAD3-414D-9A32-7C7074C837AC}"/>
+              </a:ext>
+            </a:extLst>
+          </p:cNvPr>
+          <p:cNvSpPr txBox="1"/>
+          <p:nvPr/>
+        </p:nvSpPr>
+        <p:spPr>
+          <a:xfrm>
+            <a:off x="2050392" y="4173070"/>
+            <a:ext cx="1107533" cy="523220"/>
+          </a:xfrm>
+          <a:prstGeom prst="rect">
+            <a:avLst/>
+          </a:prstGeom>
+          <a:noFill/>
+        </p:spPr>
+        <p:txBody>
+          <a:bodyPr wrap="square" rtlCol="0">
+            <a:spAutoFit/>
+          </a:bodyPr>
+          <a:lstStyle/>
+          <a:p>
+            <a:r>
+              <a:rPr lang="en-US" sz="2800" dirty="0"/>
+              <a:t>data</a:t>
+            </a:r>
+          </a:p>
+        </p:txBody>
+      </p:sp>
+      <p:sp>
+        <p:nvSpPr>
+          <p:cNvPr id="12" name="Rectangle 11">
+            <a:extLst>
+              <a:ext uri="{FF2B5EF4-FFF2-40B4-BE49-F238E27FC236}">
+                <a16:creationId xmlns:a16="http://schemas.microsoft.com/office/drawing/2014/main" id="{6A0BFC7E-ACD3-444B-ACBD-914769E626D5}"/>
               </a:ext>
             </a:extLst>
           </p:cNvPr>
@@ -6399,7 +6680,49 @@
         </p:nvSpPr>
         <p:spPr>
           <a:xfrm>
-            <a:off x="7125676" y="4194030"/>
+            <a:off x="9215717" y="2630723"/>
+            <a:ext cx="2076402" cy="369332"/>
+          </a:xfrm>
+          <a:prstGeom prst="rect">
+            <a:avLst/>
+          </a:prstGeom>
+        </p:spPr>
+        <p:txBody>
+          <a:bodyPr wrap="none">
+            <a:spAutoFit/>
+          </a:bodyPr>
+          <a:lstStyle/>
+          <a:p>
+            <a:r>
+              <a:rPr lang="en-US" dirty="0"/>
+              <a:t>https://</a:t>
+            </a:r>
+            <a:r>
+              <a:rPr lang="en-US" dirty="0" err="1"/>
+              <a:t>python.org</a:t>
+            </a:r>
+            <a:r>
+              <a:rPr lang="en-US" dirty="0"/>
+              <a:t>/</a:t>
+            </a:r>
+          </a:p>
+        </p:txBody>
+      </p:sp>
+      <p:sp>
+        <p:nvSpPr>
+          <p:cNvPr id="13" name="Right Arrow 12">
+            <a:extLst>
+              <a:ext uri="{FF2B5EF4-FFF2-40B4-BE49-F238E27FC236}">
+                <a16:creationId xmlns:a16="http://schemas.microsoft.com/office/drawing/2014/main" id="{E2D37306-0DE7-4849-995D-78ED89EF3F93}"/>
+              </a:ext>
+            </a:extLst>
+          </p:cNvPr>
+          <p:cNvSpPr/>
+          <p:nvPr/>
+        </p:nvSpPr>
+        <p:spPr>
+          <a:xfrm>
+            <a:off x="6747896" y="4173070"/>
             <a:ext cx="1107532" cy="609863"/>
           </a:xfrm>
           <a:prstGeom prst="rightArrow">
@@ -6433,10 +6756,10 @@
       </p:sp>
       <p:sp>
         <p:nvSpPr>
-          <p:cNvPr id="10" name="TextBox 9">
+          <p:cNvPr id="14" name="TextBox 13">
             <a:extLst>
               <a:ext uri="{FF2B5EF4-FFF2-40B4-BE49-F238E27FC236}">
-                <a16:creationId xmlns:a16="http://schemas.microsoft.com/office/drawing/2014/main" id="{22A5E886-DAD3-414D-9A32-7C7074C837AC}"/>
+                <a16:creationId xmlns:a16="http://schemas.microsoft.com/office/drawing/2014/main" id="{81CD4985-35BD-0D4A-86C7-FDED87D247A7}"/>
               </a:ext>
             </a:extLst>
           </p:cNvPr>
@@ -6445,8 +6768,8 @@
         </p:nvSpPr>
         <p:spPr>
           <a:xfrm>
-            <a:off x="2498627" y="4173070"/>
-            <a:ext cx="1107533" cy="523220"/>
+            <a:off x="7960655" y="4173070"/>
+            <a:ext cx="3433486" cy="523220"/>
           </a:xfrm>
           <a:prstGeom prst="rect">
             <a:avLst/>
@@ -6461,84 +6784,7 @@
           <a:p>
             <a:r>
               <a:rPr lang="en-US" sz="2800" dirty="0"/>
-              <a:t>data</a:t>
-            </a:r>
-          </a:p>
-        </p:txBody>
-      </p:sp>
-      <p:sp>
-        <p:nvSpPr>
-          <p:cNvPr id="11" name="TextBox 10">
-            <a:extLst>
-              <a:ext uri="{FF2B5EF4-FFF2-40B4-BE49-F238E27FC236}">
-                <a16:creationId xmlns:a16="http://schemas.microsoft.com/office/drawing/2014/main" id="{413F9B55-3328-BA41-94E9-0360889DC071}"/>
-              </a:ext>
-            </a:extLst>
-          </p:cNvPr>
-          <p:cNvSpPr txBox="1"/>
-          <p:nvPr/>
-        </p:nvSpPr>
-        <p:spPr>
-          <a:xfrm>
-            <a:off x="8408891" y="4216391"/>
-            <a:ext cx="1586755" cy="523220"/>
-          </a:xfrm>
-          <a:prstGeom prst="rect">
-            <a:avLst/>
-          </a:prstGeom>
-          <a:noFill/>
-        </p:spPr>
-        <p:txBody>
-          <a:bodyPr wrap="square" rtlCol="0">
-            <a:spAutoFit/>
-          </a:bodyPr>
-          <a:lstStyle/>
-          <a:p>
-            <a:r>
-              <a:rPr lang="en-US" sz="2800" dirty="0"/>
-              <a:t>object</a:t>
-            </a:r>
-          </a:p>
-        </p:txBody>
-      </p:sp>
-      <p:sp>
-        <p:nvSpPr>
-          <p:cNvPr id="12" name="Rectangle 11">
-            <a:extLst>
-              <a:ext uri="{FF2B5EF4-FFF2-40B4-BE49-F238E27FC236}">
-                <a16:creationId xmlns:a16="http://schemas.microsoft.com/office/drawing/2014/main" id="{6A0BFC7E-ACD3-444B-ACBD-914769E626D5}"/>
-              </a:ext>
-            </a:extLst>
-          </p:cNvPr>
-          <p:cNvSpPr/>
-          <p:nvPr/>
-        </p:nvSpPr>
-        <p:spPr>
-          <a:xfrm>
-            <a:off x="9215717" y="2630723"/>
-            <a:ext cx="2076402" cy="369332"/>
-          </a:xfrm>
-          <a:prstGeom prst="rect">
-            <a:avLst/>
-          </a:prstGeom>
-        </p:spPr>
-        <p:txBody>
-          <a:bodyPr wrap="none">
-            <a:spAutoFit/>
-          </a:bodyPr>
-          <a:lstStyle/>
-          <a:p>
-            <a:r>
-              <a:rPr lang="en-US" dirty="0"/>
-              <a:t>https://</a:t>
-            </a:r>
-            <a:r>
-              <a:rPr lang="en-US" dirty="0" err="1"/>
-              <a:t>python.org</a:t>
-            </a:r>
-            <a:r>
-              <a:rPr lang="en-US" dirty="0"/>
-              <a:t>/</a:t>
+              <a:t>New or altered data </a:t>
             </a:r>
           </a:p>
         </p:txBody>

--- a/Lesson1/Python1.pptx
+++ b/Lesson1/Python1.pptx
@@ -615,7 +615,10 @@
           <a:bodyPr/>
           <a:lstStyle/>
           <a:p>
-            <a:endParaRPr lang="en-US" dirty="0"/>
+            <a:r>
+              <a:rPr lang="en-US" dirty="0"/>
+              <a:t>And the text editor itself</a:t>
+            </a:r>
           </a:p>
         </p:txBody>
       </p:sp>
@@ -867,7 +870,10 @@
           <a:bodyPr/>
           <a:lstStyle/>
           <a:p>
-            <a:endParaRPr lang="en-US" dirty="0"/>
+            <a:r>
+              <a:rPr lang="en-US" dirty="0"/>
+              <a:t>Now I am going to move on to</a:t>
+            </a:r>
           </a:p>
         </p:txBody>
       </p:sp>
@@ -1113,7 +1119,7 @@
                 <a:ea typeface="+mn-ea"/>
                 <a:cs typeface="+mn-cs"/>
               </a:rPr>
-              <a:t>We can think of python much like the schematic of a mathematical function you have seen your high school algebra text book.</a:t>
+              <a:t>We can think of python objects much like the schematic of a mathematical function you have seen your high school algebra text book.</a:t>
             </a:r>
           </a:p>
           <a:p>
@@ -1151,6 +1157,31 @@
                 <a:cs typeface="+mn-cs"/>
               </a:rPr>
               <a:t>more abstraction from computer language</a:t>
+            </a:r>
+          </a:p>
+          <a:p>
+            <a:endParaRPr lang="en-US" sz="1200" b="0" i="0" u="none" strike="noStrike" kern="1200" dirty="0">
+              <a:solidFill>
+                <a:schemeClr val="tx1"/>
+              </a:solidFill>
+              <a:effectLst/>
+              <a:latin typeface="+mn-lt"/>
+              <a:ea typeface="+mn-ea"/>
+              <a:cs typeface="+mn-cs"/>
+            </a:endParaRPr>
+          </a:p>
+          <a:p>
+            <a:r>
+              <a:rPr lang="en-US" sz="1200" b="0" i="0" u="none" strike="noStrike" kern="1200" dirty="0">
+                <a:solidFill>
+                  <a:schemeClr val="tx1"/>
+                </a:solidFill>
+                <a:effectLst/>
+                <a:latin typeface="+mn-lt"/>
+                <a:ea typeface="+mn-ea"/>
+                <a:cs typeface="+mn-cs"/>
+              </a:rPr>
+              <a:t>So more similar to say human speech than binary </a:t>
             </a:r>
             <a:endParaRPr lang="en-US" dirty="0"/>
           </a:p>
@@ -1237,42 +1268,9 @@
           <a:lstStyle/>
           <a:p>
             <a:r>
-              <a:rPr lang="en-US" sz="1200" b="0" i="0" u="none" strike="noStrike" kern="1200" dirty="0">
-                <a:solidFill>
-                  <a:schemeClr val="tx1"/>
-                </a:solidFill>
-                <a:effectLst/>
-                <a:latin typeface="+mn-lt"/>
-                <a:ea typeface="+mn-ea"/>
-                <a:cs typeface="+mn-cs"/>
-              </a:rPr>
-              <a:t>“broadly applicable”: advanced web frameworks such as Django, web based applications such as Dropbox, desktop applications such as </a:t>
-            </a:r>
-            <a:r>
-              <a:rPr lang="en-US" sz="1200" b="0" i="0" u="none" strike="noStrike" kern="1200" dirty="0" err="1">
-                <a:solidFill>
-                  <a:schemeClr val="tx1"/>
-                </a:solidFill>
-                <a:effectLst/>
-                <a:latin typeface="+mn-lt"/>
-                <a:ea typeface="+mn-ea"/>
-                <a:cs typeface="+mn-cs"/>
-              </a:rPr>
-              <a:t>PyMOL</a:t>
-            </a:r>
-            <a:r>
-              <a:rPr lang="en-US" sz="1200" b="0" i="0" u="none" strike="noStrike" kern="1200" dirty="0">
-                <a:solidFill>
-                  <a:schemeClr val="tx1"/>
-                </a:solidFill>
-                <a:effectLst/>
-                <a:latin typeface="+mn-lt"/>
-                <a:ea typeface="+mn-ea"/>
-                <a:cs typeface="+mn-cs"/>
-              </a:rPr>
-              <a:t>. </a:t>
-            </a:r>
-            <a:endParaRPr lang="en-US" dirty="0"/>
+              <a:rPr lang="en-US" dirty="0"/>
+              <a:t>Now I am going to go through the Pros and Cons of python to hopefully convince you that it is the language for you</a:t>
+            </a:r>
           </a:p>
         </p:txBody>
       </p:sp>
@@ -1357,18 +1355,6 @@
           <a:lstStyle/>
           <a:p>
             <a:r>
-              <a:rPr lang="en-US" sz="1200" b="1" i="0" u="none" strike="noStrike" kern="1200" dirty="0">
-                <a:solidFill>
-                  <a:schemeClr val="tx1"/>
-                </a:solidFill>
-                <a:effectLst/>
-                <a:latin typeface="+mn-lt"/>
-                <a:ea typeface="+mn-ea"/>
-                <a:cs typeface="+mn-cs"/>
-              </a:rPr>
-              <a:t>Object</a:t>
-            </a:r>
-            <a:r>
               <a:rPr lang="en-US" sz="1200" b="0" i="0" u="none" strike="noStrike" kern="1200" dirty="0">
                 <a:solidFill>
                   <a:schemeClr val="tx1"/>
@@ -1378,35 +1364,9 @@
                 <a:ea typeface="+mn-ea"/>
                 <a:cs typeface="+mn-cs"/>
               </a:rPr>
-              <a:t> -a collection of data (variables) and methods (functions) that act on those data</a:t>
-            </a:r>
-          </a:p>
-          <a:p>
-            <a:r>
-              <a:rPr lang="en-US" sz="1200" b="1" i="0" u="none" strike="noStrike" kern="1200" dirty="0">
-                <a:solidFill>
-                  <a:schemeClr val="tx1"/>
-                </a:solidFill>
-                <a:effectLst/>
-                <a:latin typeface="+mn-lt"/>
-                <a:ea typeface="+mn-ea"/>
-                <a:cs typeface="+mn-cs"/>
-              </a:rPr>
-              <a:t>Higher language- </a:t>
-            </a:r>
-            <a:r>
-              <a:rPr lang="en-US" sz="1200" b="0" i="0" u="none" strike="noStrike" kern="1200" dirty="0">
-                <a:solidFill>
-                  <a:schemeClr val="tx1"/>
-                </a:solidFill>
-                <a:effectLst/>
-                <a:latin typeface="+mn-lt"/>
-                <a:ea typeface="+mn-ea"/>
-                <a:cs typeface="+mn-cs"/>
-              </a:rPr>
-              <a:t>more abstraction from computer language</a:t>
-            </a:r>
-            <a:endParaRPr lang="en-US" dirty="0"/>
+              <a:t>How is python used in bioinformatics? Pretty much everywhere…</a:t>
+            </a:r>
+            <a:endParaRPr lang="en-US" b="0" dirty="0"/>
           </a:p>
         </p:txBody>
       </p:sp>
@@ -1490,7 +1450,10 @@
           <a:bodyPr/>
           <a:lstStyle/>
           <a:p>
-            <a:endParaRPr lang="en-US" dirty="0"/>
+            <a:r>
+              <a:rPr lang="en-US" dirty="0"/>
+              <a:t>Before we can learn some python, we need to familiarize ourselves with the technology we will be using in this course</a:t>
+            </a:r>
           </a:p>
         </p:txBody>
       </p:sp>
@@ -1574,7 +1537,10 @@
           <a:bodyPr/>
           <a:lstStyle/>
           <a:p>
-            <a:endParaRPr lang="en-US" dirty="0"/>
+            <a:r>
+              <a:rPr lang="en-US" dirty="0"/>
+              <a:t>To roadmap you through the important features of the binder, and I am going to go through these individually</a:t>
+            </a:r>
           </a:p>
         </p:txBody>
       </p:sp>
